--- a/Whatsapp_Bot_Tutorial_19.pptx
+++ b/Whatsapp_Bot_Tutorial_19.pptx
@@ -5819,6 +5819,50 @@
               <a:t>5</a:t>
             </a:fld>
             <a:endParaRPr lang="en-US"/>
+          </a:p>
+        </p:txBody>
+      </p:sp>
+      <p:sp>
+        <p:nvSpPr>
+          <p:cNvPr id="2" name="TextBox 1">
+            <a:extLst>
+              <a:ext uri="{FF2B5EF4-FFF2-40B4-BE49-F238E27FC236}">
+                <a16:creationId xmlns:a16="http://schemas.microsoft.com/office/drawing/2014/main" id="{3F950504-3947-1242-A6DE-6C66A5B16B59}"/>
+              </a:ext>
+            </a:extLst>
+          </p:cNvPr>
+          <p:cNvSpPr txBox="1"/>
+          <p:nvPr/>
+        </p:nvSpPr>
+        <p:spPr>
+          <a:xfrm>
+            <a:off x="4583575" y="1967696"/>
+            <a:ext cx="5482655" cy="369332"/>
+          </a:xfrm>
+          <a:prstGeom prst="rect">
+            <a:avLst/>
+          </a:prstGeom>
+          <a:noFill/>
+        </p:spPr>
+        <p:txBody>
+          <a:bodyPr wrap="none" rtlCol="0">
+            <a:spAutoFit/>
+          </a:bodyPr>
+          <a:lstStyle/>
+          <a:p>
+            <a:r>
+              <a:rPr lang="en-GB" dirty="0"/>
+              <a:t>https://</a:t>
+            </a:r>
+            <a:r>
+              <a:rPr lang="en-GB" dirty="0" err="1"/>
+              <a:t>github.com</a:t>
+            </a:r>
+            <a:r>
+              <a:rPr lang="en-GB"/>
+              <a:t>/ronidas39/IPL2020_WHATSAPP_BOT</a:t>
+            </a:r>
+            <a:endParaRPr lang="en-DE"/>
           </a:p>
         </p:txBody>
       </p:sp>
